--- a/第六章 图/6.1 图的基本概念/图.pptx
+++ b/第六章 图/6.1 图的基本概念/图.pptx
@@ -6,11 +6,12 @@
   </p:sldMasterIdLst>
   <p:sldIdLst>
     <p:sldId id="258" r:id="rId3"/>
+    <p:sldId id="259" r:id="rId4"/>
   </p:sldIdLst>
   <p:sldSz cx="12192000" cy="6858000"/>
   <p:notesSz cx="6858000" cy="9144000"/>
   <p:custDataLst>
-    <p:tags r:id="rId7"/>
+    <p:tags r:id="rId8"/>
   </p:custDataLst>
   <p:defaultTextStyle>
     <a:defPPr>
@@ -3011,6 +3012,174 @@
 </p:sld>
 </file>
 
+<file path=ppt/slides/slide2.xml><?xml version="1.0" encoding="utf-8"?>
+<p:sld xmlns:a="http://schemas.openxmlformats.org/drawingml/2006/main" xmlns:r="http://schemas.openxmlformats.org/officeDocument/2006/relationships" xmlns:p="http://schemas.openxmlformats.org/presentationml/2006/main">
+  <p:cSld>
+    <p:spTree>
+      <p:nvGrpSpPr>
+        <p:cNvPr id="1" name=""/>
+        <p:cNvGrpSpPr/>
+        <p:nvPr/>
+      </p:nvGrpSpPr>
+      <p:grpSpPr/>
+      <p:grpSp>
+        <p:nvGrpSpPr>
+          <p:cNvPr id="6" name="组合 5"/>
+          <p:cNvGrpSpPr/>
+          <p:nvPr/>
+        </p:nvGrpSpPr>
+        <p:grpSpPr>
+          <a:xfrm>
+            <a:off x="857885" y="742315"/>
+            <a:ext cx="9523095" cy="4114800"/>
+            <a:chOff x="1351" y="1169"/>
+            <a:chExt cx="14997" cy="6480"/>
+          </a:xfrm>
+        </p:grpSpPr>
+        <p:pic>
+          <p:nvPicPr>
+            <p:cNvPr id="2" name="图片 1"/>
+            <p:cNvPicPr>
+              <a:picLocks noChangeAspect="1"/>
+            </p:cNvPicPr>
+            <p:nvPr>
+              <p:custDataLst>
+                <p:tags r:id="rId1"/>
+              </p:custDataLst>
+            </p:nvPr>
+          </p:nvPicPr>
+          <p:blipFill>
+            <a:blip r:embed="rId2"/>
+            <a:stretch>
+              <a:fillRect/>
+            </a:stretch>
+          </p:blipFill>
+          <p:spPr>
+            <a:xfrm>
+              <a:off x="1351" y="1169"/>
+              <a:ext cx="4836" cy="6480"/>
+            </a:xfrm>
+            <a:prstGeom prst="rect">
+              <a:avLst/>
+            </a:prstGeom>
+            <a:ln>
+              <a:solidFill>
+                <a:srgbClr val="FF0000"/>
+              </a:solidFill>
+            </a:ln>
+          </p:spPr>
+        </p:pic>
+        <p:pic>
+          <p:nvPicPr>
+            <p:cNvPr id="3" name="图片 2"/>
+            <p:cNvPicPr>
+              <a:picLocks noChangeAspect="1"/>
+            </p:cNvPicPr>
+            <p:nvPr>
+              <p:custDataLst>
+                <p:tags r:id="rId3"/>
+              </p:custDataLst>
+            </p:nvPr>
+          </p:nvPicPr>
+          <p:blipFill>
+            <a:blip r:embed="rId4"/>
+            <a:stretch>
+              <a:fillRect/>
+            </a:stretch>
+          </p:blipFill>
+          <p:spPr>
+            <a:xfrm>
+              <a:off x="6187" y="1169"/>
+              <a:ext cx="5149" cy="4116"/>
+            </a:xfrm>
+            <a:prstGeom prst="rect">
+              <a:avLst/>
+            </a:prstGeom>
+            <a:ln>
+              <a:solidFill>
+                <a:srgbClr val="FF0000"/>
+              </a:solidFill>
+            </a:ln>
+          </p:spPr>
+        </p:pic>
+        <p:pic>
+          <p:nvPicPr>
+            <p:cNvPr id="4" name="图片 3"/>
+            <p:cNvPicPr>
+              <a:picLocks noChangeAspect="1"/>
+            </p:cNvPicPr>
+            <p:nvPr>
+              <p:custDataLst>
+                <p:tags r:id="rId5"/>
+              </p:custDataLst>
+            </p:nvPr>
+          </p:nvPicPr>
+          <p:blipFill>
+            <a:blip r:embed="rId6"/>
+            <a:stretch>
+              <a:fillRect/>
+            </a:stretch>
+          </p:blipFill>
+          <p:spPr>
+            <a:xfrm>
+              <a:off x="11336" y="1169"/>
+              <a:ext cx="5013" cy="6452"/>
+            </a:xfrm>
+            <a:prstGeom prst="rect">
+              <a:avLst/>
+            </a:prstGeom>
+            <a:ln>
+              <a:solidFill>
+                <a:srgbClr val="FF0000"/>
+              </a:solidFill>
+            </a:ln>
+          </p:spPr>
+        </p:pic>
+        <p:pic>
+          <p:nvPicPr>
+            <p:cNvPr id="5" name="图片 4"/>
+            <p:cNvPicPr>
+              <a:picLocks noChangeAspect="1"/>
+            </p:cNvPicPr>
+            <p:nvPr>
+              <p:custDataLst>
+                <p:tags r:id="rId7"/>
+              </p:custDataLst>
+            </p:nvPr>
+          </p:nvPicPr>
+          <p:blipFill>
+            <a:blip r:embed="rId8"/>
+            <a:stretch>
+              <a:fillRect/>
+            </a:stretch>
+          </p:blipFill>
+          <p:spPr>
+            <a:xfrm>
+              <a:off x="6187" y="5285"/>
+              <a:ext cx="5149" cy="2337"/>
+            </a:xfrm>
+            <a:prstGeom prst="rect">
+              <a:avLst/>
+            </a:prstGeom>
+            <a:ln>
+              <a:solidFill>
+                <a:srgbClr val="FF0000"/>
+              </a:solidFill>
+            </a:ln>
+          </p:spPr>
+        </p:pic>
+      </p:grpSp>
+    </p:spTree>
+    <p:custDataLst>
+      <p:tags r:id="rId9"/>
+    </p:custDataLst>
+  </p:cSld>
+  <p:clrMapOvr>
+    <a:masterClrMapping/>
+  </p:clrMapOvr>
+</p:sld>
+</file>
+
 <file path=ppt/tags/tag1.xml><?xml version="1.0" encoding="utf-8"?>
 <p:tagLst xmlns:p="http://schemas.openxmlformats.org/presentationml/2006/main">
   <p:tag name="KSO_WM_UNIT_HIGHLIGHT" val="0"/>
@@ -3739,6 +3908,38 @@
 </file>
 
 <file path=ppt/tags/tag61.xml><?xml version="1.0" encoding="utf-8"?>
+<p:tagLst xmlns:p="http://schemas.openxmlformats.org/presentationml/2006/main">
+  <p:tag name="KSO_WM_BEAUTIFY_FLAG" val=""/>
+</p:tagLst>
+</file>
+
+<file path=ppt/tags/tag62.xml><?xml version="1.0" encoding="utf-8"?>
+<p:tagLst xmlns:p="http://schemas.openxmlformats.org/presentationml/2006/main">
+  <p:tag name="KSO_WM_BEAUTIFY_FLAG" val=""/>
+</p:tagLst>
+</file>
+
+<file path=ppt/tags/tag63.xml><?xml version="1.0" encoding="utf-8"?>
+<p:tagLst xmlns:p="http://schemas.openxmlformats.org/presentationml/2006/main">
+  <p:tag name="KSO_WM_BEAUTIFY_FLAG" val=""/>
+</p:tagLst>
+</file>
+
+<file path=ppt/tags/tag64.xml><?xml version="1.0" encoding="utf-8"?>
+<p:tagLst xmlns:p="http://schemas.openxmlformats.org/presentationml/2006/main">
+  <p:tag name="KSO_WM_BEAUTIFY_FLAG" val=""/>
+</p:tagLst>
+</file>
+
+<file path=ppt/tags/tag65.xml><?xml version="1.0" encoding="utf-8"?>
+<p:tagLst xmlns:p="http://schemas.openxmlformats.org/presentationml/2006/main">
+  <p:tag name="KSO_WM_BEAUTIFY_FLAG" val="#wm#"/>
+  <p:tag name="KSO_WM_TEMPLATE_CATEGORY" val="custom"/>
+  <p:tag name="KSO_WM_TEMPLATE_INDEX" val="20205176"/>
+</p:tagLst>
+</file>
+
+<file path=ppt/tags/tag66.xml><?xml version="1.0" encoding="utf-8"?>
 <p:tagLst xmlns:p="http://schemas.openxmlformats.org/presentationml/2006/main">
   <p:tag name="COMMONDATA" val="eyJoZGlkIjoiMGNiYmI5YWVjOTk5ZjZhOWZjNGUxNjlhNTAzYmI0NWQifQ=="/>
 </p:tagLst>

--- a/第六章 图/6.1 图的基本概念/图.pptx
+++ b/第六章 图/6.1 图的基本概念/图.pptx
@@ -7,11 +7,12 @@
   <p:sldIdLst>
     <p:sldId id="258" r:id="rId3"/>
     <p:sldId id="259" r:id="rId4"/>
+    <p:sldId id="260" r:id="rId5"/>
   </p:sldIdLst>
   <p:sldSz cx="12192000" cy="6858000"/>
   <p:notesSz cx="6858000" cy="9144000"/>
   <p:custDataLst>
-    <p:tags r:id="rId8"/>
+    <p:tags r:id="rId9"/>
   </p:custDataLst>
   <p:defaultTextStyle>
     <a:defPPr>
@@ -3180,6 +3181,55 @@
 </p:sld>
 </file>
 
+<file path=ppt/slides/slide3.xml><?xml version="1.0" encoding="utf-8"?>
+<p:sld xmlns:a="http://schemas.openxmlformats.org/drawingml/2006/main" xmlns:r="http://schemas.openxmlformats.org/officeDocument/2006/relationships" xmlns:p="http://schemas.openxmlformats.org/presentationml/2006/main">
+  <p:cSld>
+    <p:spTree>
+      <p:nvGrpSpPr>
+        <p:cNvPr id="1" name=""/>
+        <p:cNvGrpSpPr/>
+        <p:nvPr/>
+      </p:nvGrpSpPr>
+      <p:grpSpPr/>
+      <p:pic>
+        <p:nvPicPr>
+          <p:cNvPr id="3" name="图片 2"/>
+          <p:cNvPicPr>
+            <a:picLocks noChangeAspect="1"/>
+          </p:cNvPicPr>
+          <p:nvPr>
+            <p:custDataLst>
+              <p:tags r:id="rId1"/>
+            </p:custDataLst>
+          </p:nvPr>
+        </p:nvPicPr>
+        <p:blipFill>
+          <a:blip r:embed="rId2"/>
+          <a:stretch>
+            <a:fillRect/>
+          </a:stretch>
+        </p:blipFill>
+        <p:spPr>
+          <a:xfrm>
+            <a:off x="1590675" y="1224915"/>
+            <a:ext cx="2261235" cy="1453515"/>
+          </a:xfrm>
+          <a:prstGeom prst="rect">
+            <a:avLst/>
+          </a:prstGeom>
+        </p:spPr>
+      </p:pic>
+    </p:spTree>
+    <p:custDataLst>
+      <p:tags r:id="rId3"/>
+    </p:custDataLst>
+  </p:cSld>
+  <p:clrMapOvr>
+    <a:masterClrMapping/>
+  </p:clrMapOvr>
+</p:sld>
+</file>
+
 <file path=ppt/tags/tag1.xml><?xml version="1.0" encoding="utf-8"?>
 <p:tagLst xmlns:p="http://schemas.openxmlformats.org/presentationml/2006/main">
   <p:tag name="KSO_WM_UNIT_HIGHLIGHT" val="0"/>
@@ -3940,6 +3990,20 @@
 </file>
 
 <file path=ppt/tags/tag66.xml><?xml version="1.0" encoding="utf-8"?>
+<p:tagLst xmlns:p="http://schemas.openxmlformats.org/presentationml/2006/main">
+  <p:tag name="KSO_WM_BEAUTIFY_FLAG" val=""/>
+</p:tagLst>
+</file>
+
+<file path=ppt/tags/tag67.xml><?xml version="1.0" encoding="utf-8"?>
+<p:tagLst xmlns:p="http://schemas.openxmlformats.org/presentationml/2006/main">
+  <p:tag name="KSO_WM_BEAUTIFY_FLAG" val="#wm#"/>
+  <p:tag name="KSO_WM_TEMPLATE_CATEGORY" val="custom"/>
+  <p:tag name="KSO_WM_TEMPLATE_INDEX" val="20205176"/>
+</p:tagLst>
+</file>
+
+<file path=ppt/tags/tag68.xml><?xml version="1.0" encoding="utf-8"?>
 <p:tagLst xmlns:p="http://schemas.openxmlformats.org/presentationml/2006/main">
   <p:tag name="COMMONDATA" val="eyJoZGlkIjoiMGNiYmI5YWVjOTk5ZjZhOWZjNGUxNjlhNTAzYmI0NWQifQ=="/>
 </p:tagLst>
